--- a/NP_damage/berserker.pptx
+++ b/NP_damage/berserker.pptx
@@ -104,13 +104,18 @@
       </a:defRPr>
     </a:lvl9pPr>
   </p:defaultTextStyle>
+  <p:extLst>
+    <p:ext uri="{EFAFB233-063F-42B5-8137-9DF3F51BA10A}">
+      <p15:sldGuideLst xmlns:p15="http://schemas.microsoft.com/office/powerpoint/2012/main"/>
+    </p:ext>
+  </p:extLst>
 </p:presentation>
 </file>
 
 <file path=ppt/revisionInfo.xml><?xml version="1.0" encoding="utf-8"?>
 <p1510:revInfo xmlns:a="http://schemas.openxmlformats.org/drawingml/2006/main" xmlns:r="http://schemas.openxmlformats.org/officeDocument/2006/relationships" xmlns:p1510="http://schemas.microsoft.com/office/powerpoint/2015/10/main">
   <p1510:revLst>
-    <p1510:client id="{D8E12A42-0118-4EA2-8FB3-1664C22B998B}" v="324" dt="2020-08-21T06:43:21.465"/>
+    <p1510:client id="{D8E12A42-0118-4EA2-8FB3-1664C22B998B}" v="328" dt="2020-08-21T06:56:02.836"/>
   </p1510:revLst>
 </p1510:revInfo>
 </file>
@@ -120,12 +125,12 @@
   <pc:docChgLst>
     <pc:chgData name="全勳 吳" userId="cfefeec1262bbf8d" providerId="LiveId" clId="{D8E12A42-0118-4EA2-8FB3-1664C22B998B}"/>
     <pc:docChg chg="custSel addSld delSld modSld">
-      <pc:chgData name="全勳 吳" userId="cfefeec1262bbf8d" providerId="LiveId" clId="{D8E12A42-0118-4EA2-8FB3-1664C22B998B}" dt="2020-08-21T06:46:35.342" v="464" actId="47"/>
+      <pc:chgData name="全勳 吳" userId="cfefeec1262bbf8d" providerId="LiveId" clId="{D8E12A42-0118-4EA2-8FB3-1664C22B998B}" dt="2020-08-21T06:56:02.835" v="468" actId="255"/>
       <pc:docMkLst>
         <pc:docMk/>
       </pc:docMkLst>
       <pc:sldChg chg="addSp delSp modSp mod setBg">
-        <pc:chgData name="全勳 吳" userId="cfefeec1262bbf8d" providerId="LiveId" clId="{D8E12A42-0118-4EA2-8FB3-1664C22B998B}" dt="2020-08-21T06:43:57.181" v="463" actId="1036"/>
+        <pc:chgData name="全勳 吳" userId="cfefeec1262bbf8d" providerId="LiveId" clId="{D8E12A42-0118-4EA2-8FB3-1664C22B998B}" dt="2020-08-21T06:56:02.835" v="468" actId="255"/>
         <pc:sldMkLst>
           <pc:docMk/>
           <pc:sldMk cId="3784311271" sldId="256"/>
@@ -171,7 +176,7 @@
           </ac:graphicFrameMkLst>
         </pc:graphicFrameChg>
         <pc:graphicFrameChg chg="add mod">
-          <ac:chgData name="全勳 吳" userId="cfefeec1262bbf8d" providerId="LiveId" clId="{D8E12A42-0118-4EA2-8FB3-1664C22B998B}" dt="2020-08-21T06:42:15.960" v="390" actId="208"/>
+          <ac:chgData name="全勳 吳" userId="cfefeec1262bbf8d" providerId="LiveId" clId="{D8E12A42-0118-4EA2-8FB3-1664C22B998B}" dt="2020-08-21T06:56:02.835" v="468" actId="255"/>
           <ac:graphicFrameMkLst>
             <pc:docMk/>
             <pc:sldMk cId="3784311271" sldId="256"/>
@@ -4449,7 +4454,7 @@
       </dgm:t>
     </dgm:pt>
     <dgm:pt modelId="{5235F206-634D-401D-949F-267599BE4E97}">
-      <dgm:prSet/>
+      <dgm:prSet custT="1"/>
       <dgm:spPr>
         <a:ln>
           <a:solidFill>
@@ -4464,10 +4469,25 @@
         <a:lstStyle/>
         <a:p>
           <a:r>
-            <a:rPr lang="en-US" altLang="zh-TW" dirty="0"/>
+            <a:rPr lang="en-US" altLang="zh-TW" sz="1500" dirty="0"/>
             <a:t>55939</a:t>
           </a:r>
-          <a:endParaRPr lang="zh-TW" altLang="en-US" dirty="0"/>
+          <a:br>
+            <a:rPr lang="en-US" altLang="zh-TW" sz="1500" dirty="0"/>
+          </a:br>
+          <a:r>
+            <a:rPr lang="en-US" altLang="zh-TW" sz="1100" b="0" i="0" u="none" dirty="0"/>
+            <a:t>(</a:t>
+          </a:r>
+          <a:r>
+            <a:rPr lang="zh-TW" altLang="en-US" sz="1100" b="0" i="0" u="none" dirty="0"/>
+            <a:t>特攻</a:t>
+          </a:r>
+          <a:r>
+            <a:rPr lang="en-US" altLang="zh-TW" sz="1100" b="0" i="0" u="none" dirty="0"/>
+            <a:t>)</a:t>
+          </a:r>
+          <a:endParaRPr lang="zh-TW" altLang="en-US" sz="1100" dirty="0"/>
         </a:p>
       </dgm:t>
     </dgm:pt>
@@ -7524,7 +7544,22 @@
             <a:rPr lang="en-US" altLang="zh-TW" sz="1500" kern="1200" dirty="0"/>
             <a:t>55939</a:t>
           </a:r>
-          <a:endParaRPr lang="zh-TW" altLang="en-US" sz="1500" kern="1200" dirty="0"/>
+          <a:br>
+            <a:rPr lang="en-US" altLang="zh-TW" sz="1500" kern="1200" dirty="0"/>
+          </a:br>
+          <a:r>
+            <a:rPr lang="en-US" altLang="zh-TW" sz="1100" b="0" i="0" u="none" kern="1200" dirty="0"/>
+            <a:t>(</a:t>
+          </a:r>
+          <a:r>
+            <a:rPr lang="zh-TW" altLang="en-US" sz="1100" b="0" i="0" u="none" kern="1200" dirty="0"/>
+            <a:t>特攻</a:t>
+          </a:r>
+          <a:r>
+            <a:rPr lang="en-US" altLang="zh-TW" sz="1100" b="0" i="0" u="none" kern="1200" dirty="0"/>
+            <a:t>)</a:t>
+          </a:r>
+          <a:endParaRPr lang="zh-TW" altLang="en-US" sz="1100" kern="1200" dirty="0"/>
         </a:p>
       </dsp:txBody>
       <dsp:txXfrm>
@@ -16659,7 +16694,7 @@
           <p:nvPr>
             <p:extLst>
               <p:ext uri="{D42A27DB-BD31-4B8C-83A1-F6EECF244321}">
-                <p14:modId xmlns:p14="http://schemas.microsoft.com/office/powerpoint/2010/main" val="1165019258"/>
+                <p14:modId xmlns:p14="http://schemas.microsoft.com/office/powerpoint/2010/main" val="4970507"/>
               </p:ext>
             </p:extLst>
           </p:nvPr>

--- a/NP_damage/berserker.pptx
+++ b/NP_damage/berserker.pptx
@@ -116,7 +116,7 @@
 <file path=ppt/revisionInfo.xml><?xml version="1.0" encoding="utf-8"?>
 <p1510:revInfo xmlns:a="http://schemas.openxmlformats.org/drawingml/2006/main" xmlns:r="http://schemas.openxmlformats.org/officeDocument/2006/relationships" xmlns:p1510="http://schemas.microsoft.com/office/powerpoint/2015/10/main">
   <p1510:revLst>
-    <p1510:client id="{D8E12A42-0118-4EA2-8FB3-1664C22B998B}" v="679" dt="2020-08-22T15:23:39.472"/>
+    <p1510:client id="{D8E12A42-0118-4EA2-8FB3-1664C22B998B}" v="680" dt="2020-08-22T15:53:21.722"/>
   </p1510:revLst>
 </p1510:revInfo>
 </file>
@@ -126,7 +126,7 @@
   <pc:docChgLst>
     <pc:chgData name="全勳 吳" userId="cfefeec1262bbf8d" providerId="LiveId" clId="{D8E12A42-0118-4EA2-8FB3-1664C22B998B}"/>
     <pc:docChg chg="custSel addSld delSld modSld">
-      <pc:chgData name="全勳 吳" userId="cfefeec1262bbf8d" providerId="LiveId" clId="{D8E12A42-0118-4EA2-8FB3-1664C22B998B}" dt="2020-08-22T15:23:39.469" v="827" actId="20577"/>
+      <pc:chgData name="全勳 吳" userId="cfefeec1262bbf8d" providerId="LiveId" clId="{D8E12A42-0118-4EA2-8FB3-1664C22B998B}" dt="2020-08-22T15:53:21.721" v="828" actId="12612"/>
       <pc:docMkLst>
         <pc:docMk/>
       </pc:docMkLst>
@@ -210,7 +210,7 @@
         </pc:picChg>
       </pc:sldChg>
       <pc:sldChg chg="addSp delSp modSp add mod setBg">
-        <pc:chgData name="全勳 吳" userId="cfefeec1262bbf8d" providerId="LiveId" clId="{D8E12A42-0118-4EA2-8FB3-1664C22B998B}" dt="2020-08-22T15:23:39.469" v="827" actId="20577"/>
+        <pc:chgData name="全勳 吳" userId="cfefeec1262bbf8d" providerId="LiveId" clId="{D8E12A42-0118-4EA2-8FB3-1664C22B998B}" dt="2020-08-22T15:53:21.721" v="828" actId="12612"/>
         <pc:sldMkLst>
           <pc:docMk/>
           <pc:sldMk cId="188328845" sldId="257"/>
@@ -232,7 +232,7 @@
           </ac:graphicFrameMkLst>
         </pc:graphicFrameChg>
         <pc:graphicFrameChg chg="mod">
-          <ac:chgData name="全勳 吳" userId="cfefeec1262bbf8d" providerId="LiveId" clId="{D8E12A42-0118-4EA2-8FB3-1664C22B998B}" dt="2020-08-22T15:22:12.554" v="815"/>
+          <ac:chgData name="全勳 吳" userId="cfefeec1262bbf8d" providerId="LiveId" clId="{D8E12A42-0118-4EA2-8FB3-1664C22B998B}" dt="2020-08-22T15:53:21.721" v="828" actId="12612"/>
           <ac:graphicFrameMkLst>
             <pc:docMk/>
             <pc:sldMk cId="188328845" sldId="257"/>
@@ -8213,7 +8213,7 @@
     <dgm:pt modelId="{161E0E1D-1AE1-4E3C-8611-6596648F0985}">
       <dgm:prSet phldrT="[文字]"/>
       <dgm:spPr>
-        <a:blipFill dpi="0" rotWithShape="0">
+        <a:blipFill dpi="0" rotWithShape="1">
           <a:blip xmlns:r="http://schemas.openxmlformats.org/officeDocument/2006/relationships" r:embed="rId1">
             <a:extLst>
               <a:ext uri="{28A0092B-C50C-407E-A947-70E740481C1C}">
@@ -16589,7 +16589,7 @@
         <a:prstGeom prst="ellipse">
           <a:avLst/>
         </a:prstGeom>
-        <a:blipFill dpi="0" rotWithShape="0">
+        <a:blipFill dpi="0" rotWithShape="1">
           <a:blip xmlns:r="http://schemas.openxmlformats.org/officeDocument/2006/relationships" r:embed="rId8">
             <a:extLst>
               <a:ext uri="{28A0092B-C50C-407E-A947-70E740481C1C}">
@@ -30654,7 +30654,7 @@
           <p:nvPr>
             <p:extLst>
               <p:ext uri="{D42A27DB-BD31-4B8C-83A1-F6EECF244321}">
-                <p14:modId xmlns:p14="http://schemas.microsoft.com/office/powerpoint/2010/main" val="198269717"/>
+                <p14:modId xmlns:p14="http://schemas.microsoft.com/office/powerpoint/2010/main" val="3388923799"/>
               </p:ext>
             </p:extLst>
           </p:nvPr>

--- a/NP_damage/berserker.pptx
+++ b/NP_damage/berserker.pptx
@@ -116,7 +116,7 @@
 <file path=ppt/revisionInfo.xml><?xml version="1.0" encoding="utf-8"?>
 <p1510:revInfo xmlns:a="http://schemas.openxmlformats.org/drawingml/2006/main" xmlns:r="http://schemas.openxmlformats.org/officeDocument/2006/relationships" xmlns:p1510="http://schemas.microsoft.com/office/powerpoint/2015/10/main">
   <p1510:revLst>
-    <p1510:client id="{D8E12A42-0118-4EA2-8FB3-1664C22B998B}" v="680" dt="2020-08-22T15:53:21.722"/>
+    <p1510:client id="{D8E12A42-0118-4EA2-8FB3-1664C22B998B}" v="681" dt="2020-08-23T04:03:26.583"/>
   </p1510:revLst>
 </p1510:revInfo>
 </file>
@@ -126,7 +126,7 @@
   <pc:docChgLst>
     <pc:chgData name="全勳 吳" userId="cfefeec1262bbf8d" providerId="LiveId" clId="{D8E12A42-0118-4EA2-8FB3-1664C22B998B}"/>
     <pc:docChg chg="custSel addSld delSld modSld">
-      <pc:chgData name="全勳 吳" userId="cfefeec1262bbf8d" providerId="LiveId" clId="{D8E12A42-0118-4EA2-8FB3-1664C22B998B}" dt="2020-08-22T15:53:21.721" v="828" actId="12612"/>
+      <pc:chgData name="全勳 吳" userId="cfefeec1262bbf8d" providerId="LiveId" clId="{D8E12A42-0118-4EA2-8FB3-1664C22B998B}" dt="2020-08-23T04:03:26.582" v="829" actId="14826"/>
       <pc:docMkLst>
         <pc:docMk/>
       </pc:docMkLst>
@@ -210,7 +210,7 @@
         </pc:picChg>
       </pc:sldChg>
       <pc:sldChg chg="addSp delSp modSp add mod setBg">
-        <pc:chgData name="全勳 吳" userId="cfefeec1262bbf8d" providerId="LiveId" clId="{D8E12A42-0118-4EA2-8FB3-1664C22B998B}" dt="2020-08-22T15:53:21.721" v="828" actId="12612"/>
+        <pc:chgData name="全勳 吳" userId="cfefeec1262bbf8d" providerId="LiveId" clId="{D8E12A42-0118-4EA2-8FB3-1664C22B998B}" dt="2020-08-23T04:03:26.582" v="829" actId="14826"/>
         <pc:sldMkLst>
           <pc:docMk/>
           <pc:sldMk cId="188328845" sldId="257"/>
@@ -255,6 +255,14 @@
             <ac:graphicFrameMk id="14" creationId="{3C073670-421B-472C-BD60-A9B54EA55EEB}"/>
           </ac:graphicFrameMkLst>
         </pc:graphicFrameChg>
+        <pc:picChg chg="mod">
+          <ac:chgData name="全勳 吳" userId="cfefeec1262bbf8d" providerId="LiveId" clId="{D8E12A42-0118-4EA2-8FB3-1664C22B998B}" dt="2020-08-23T04:03:26.582" v="829" actId="14826"/>
+          <ac:picMkLst>
+            <pc:docMk/>
+            <pc:sldMk cId="188328845" sldId="257"/>
+            <ac:picMk id="16" creationId="{F17CC287-371C-45D8-A108-FDA0786D5C59}"/>
+          </ac:picMkLst>
+        </pc:picChg>
       </pc:sldChg>
       <pc:sldChg chg="delSp new del mod">
         <pc:chgData name="全勳 吳" userId="cfefeec1262bbf8d" providerId="LiveId" clId="{D8E12A42-0118-4EA2-8FB3-1664C22B998B}" dt="2020-08-21T06:46:35.342" v="464" actId="47"/>
@@ -27316,7 +27324,7 @@
           <a:p>
             <a:fld id="{7A381350-7C9F-4F5E-9D79-A95C70D15752}" type="datetimeFigureOut">
               <a:rPr lang="zh-TW" altLang="en-US" smtClean="0"/>
-              <a:t>2020/8/22</a:t>
+              <a:t>2020/8/23</a:t>
             </a:fld>
             <a:endParaRPr lang="zh-TW" altLang="en-US"/>
           </a:p>
@@ -27514,7 +27522,7 @@
           <a:p>
             <a:fld id="{7A381350-7C9F-4F5E-9D79-A95C70D15752}" type="datetimeFigureOut">
               <a:rPr lang="zh-TW" altLang="en-US" smtClean="0"/>
-              <a:t>2020/8/22</a:t>
+              <a:t>2020/8/23</a:t>
             </a:fld>
             <a:endParaRPr lang="zh-TW" altLang="en-US"/>
           </a:p>
@@ -27722,7 +27730,7 @@
           <a:p>
             <a:fld id="{7A381350-7C9F-4F5E-9D79-A95C70D15752}" type="datetimeFigureOut">
               <a:rPr lang="zh-TW" altLang="en-US" smtClean="0"/>
-              <a:t>2020/8/22</a:t>
+              <a:t>2020/8/23</a:t>
             </a:fld>
             <a:endParaRPr lang="zh-TW" altLang="en-US"/>
           </a:p>
@@ -27920,7 +27928,7 @@
           <a:p>
             <a:fld id="{7A381350-7C9F-4F5E-9D79-A95C70D15752}" type="datetimeFigureOut">
               <a:rPr lang="zh-TW" altLang="en-US" smtClean="0"/>
-              <a:t>2020/8/22</a:t>
+              <a:t>2020/8/23</a:t>
             </a:fld>
             <a:endParaRPr lang="zh-TW" altLang="en-US"/>
           </a:p>
@@ -28195,7 +28203,7 @@
           <a:p>
             <a:fld id="{7A381350-7C9F-4F5E-9D79-A95C70D15752}" type="datetimeFigureOut">
               <a:rPr lang="zh-TW" altLang="en-US" smtClean="0"/>
-              <a:t>2020/8/22</a:t>
+              <a:t>2020/8/23</a:t>
             </a:fld>
             <a:endParaRPr lang="zh-TW" altLang="en-US"/>
           </a:p>
@@ -28460,7 +28468,7 @@
           <a:p>
             <a:fld id="{7A381350-7C9F-4F5E-9D79-A95C70D15752}" type="datetimeFigureOut">
               <a:rPr lang="zh-TW" altLang="en-US" smtClean="0"/>
-              <a:t>2020/8/22</a:t>
+              <a:t>2020/8/23</a:t>
             </a:fld>
             <a:endParaRPr lang="zh-TW" altLang="en-US"/>
           </a:p>
@@ -28872,7 +28880,7 @@
           <a:p>
             <a:fld id="{7A381350-7C9F-4F5E-9D79-A95C70D15752}" type="datetimeFigureOut">
               <a:rPr lang="zh-TW" altLang="en-US" smtClean="0"/>
-              <a:t>2020/8/22</a:t>
+              <a:t>2020/8/23</a:t>
             </a:fld>
             <a:endParaRPr lang="zh-TW" altLang="en-US"/>
           </a:p>
@@ -29013,7 +29021,7 @@
           <a:p>
             <a:fld id="{7A381350-7C9F-4F5E-9D79-A95C70D15752}" type="datetimeFigureOut">
               <a:rPr lang="zh-TW" altLang="en-US" smtClean="0"/>
-              <a:t>2020/8/22</a:t>
+              <a:t>2020/8/23</a:t>
             </a:fld>
             <a:endParaRPr lang="zh-TW" altLang="en-US"/>
           </a:p>
@@ -29126,7 +29134,7 @@
           <a:p>
             <a:fld id="{7A381350-7C9F-4F5E-9D79-A95C70D15752}" type="datetimeFigureOut">
               <a:rPr lang="zh-TW" altLang="en-US" smtClean="0"/>
-              <a:t>2020/8/22</a:t>
+              <a:t>2020/8/23</a:t>
             </a:fld>
             <a:endParaRPr lang="zh-TW" altLang="en-US"/>
           </a:p>
@@ -29437,7 +29445,7 @@
           <a:p>
             <a:fld id="{7A381350-7C9F-4F5E-9D79-A95C70D15752}" type="datetimeFigureOut">
               <a:rPr lang="zh-TW" altLang="en-US" smtClean="0"/>
-              <a:t>2020/8/22</a:t>
+              <a:t>2020/8/23</a:t>
             </a:fld>
             <a:endParaRPr lang="zh-TW" altLang="en-US"/>
           </a:p>
@@ -29725,7 +29733,7 @@
           <a:p>
             <a:fld id="{7A381350-7C9F-4F5E-9D79-A95C70D15752}" type="datetimeFigureOut">
               <a:rPr lang="zh-TW" altLang="en-US" smtClean="0"/>
-              <a:t>2020/8/22</a:t>
+              <a:t>2020/8/23</a:t>
             </a:fld>
             <a:endParaRPr lang="zh-TW" altLang="en-US"/>
           </a:p>
@@ -29966,7 +29974,7 @@
           <a:p>
             <a:fld id="{7A381350-7C9F-4F5E-9D79-A95C70D15752}" type="datetimeFigureOut">
               <a:rPr lang="zh-TW" altLang="en-US" smtClean="0"/>
-              <a:t>2020/8/22</a:t>
+              <a:t>2020/8/23</a:t>
             </a:fld>
             <a:endParaRPr lang="zh-TW" altLang="en-US"/>
           </a:p>
@@ -30699,7 +30707,7 @@
       </p:graphicFrame>
       <p:pic>
         <p:nvPicPr>
-          <p:cNvPr id="16" name="圖片 15" descr="一張含有 畫畫 的圖片&#10;&#10;自動產生的描述">
+          <p:cNvPr id="16" name="圖片 15">
             <a:extLst>
               <a:ext uri="{FF2B5EF4-FFF2-40B4-BE49-F238E27FC236}">
                 <a16:creationId xmlns:a16="http://schemas.microsoft.com/office/drawing/2014/main" id="{F17CC287-371C-45D8-A108-FDA0786D5C59}"/>
@@ -30719,9 +30727,8 @@
               </a:ext>
             </a:extLst>
           </a:blip>
-          <a:stretch>
-            <a:fillRect/>
-          </a:stretch>
+          <a:srcRect/>
+          <a:stretch/>
         </p:blipFill>
         <p:spPr>
           <a:xfrm>
